--- a/Companion.스토리보드.VER.0.3(회원가입,로그인).pptx
+++ b/Companion.스토리보드.VER.0.3(회원가입,로그인).pptx
@@ -2,7 +2,7 @@
 <file path=ppt/presentation.xml><?xml version="1.0" encoding="utf-8"?>
 <p:presentation xmlns:r="http://schemas.openxmlformats.org/officeDocument/2006/relationships" xmlns:c="http://schemas.openxmlformats.org/drawingml/2006/chart" xmlns:a="http://schemas.openxmlformats.org/drawingml/2006/main" xmlns:dgm="http://schemas.openxmlformats.org/drawingml/2006/diagram" xmlns:dsp="http://schemas.microsoft.com/office/drawing/2008/diagram" xmlns:p="http://schemas.openxmlformats.org/presentationml/2006/main">
   <p:sldMasterIdLst>
-    <p:sldMasterId id="2147483737" r:id="rId1"/>
+    <p:sldMasterId id="2147483738" r:id="rId1"/>
   </p:sldMasterIdLst>
   <p:notesMasterIdLst>
     <p:notesMasterId r:id="rId2"/>
@@ -23690,7 +23690,7 @@
         </p:nvGraphicFramePr>
         <p:xfrm>
           <a:off x="7264715" y="1241391"/>
-          <a:ext cx="2475556" cy="6940865"/>
+          <a:ext cx="2475556" cy="5460296"/>
         </p:xfrm>
         <a:graphic>
           <a:graphicData uri="http://schemas.openxmlformats.org/drawingml/2006/table">
@@ -23699,7 +23699,7 @@
               <a:tblGrid>
                 <a:gridCol w="2475556"/>
               </a:tblGrid>
-              <a:tr h="239293">
+              <a:tr h="192244">
                 <a:tc>
                   <a:txBody>
                     <a:bodyPr vert="horz" lIns="66203" tIns="66677" rIns="66203" bIns="33634" anchor="ctr" anchorCtr="0"/>
@@ -23788,7 +23788,7 @@
                   </a:tcPr>
                 </a:tc>
               </a:tr>
-              <a:tr h="290050">
+              <a:tr h="309794">
                 <a:tc>
                   <a:txBody>
                     <a:bodyPr vert="horz" lIns="66203" tIns="66677" rIns="66203" bIns="33634" anchor="ctr" anchorCtr="0"/>
@@ -23882,7 +23882,7 @@
                   </a:tcPr>
                 </a:tc>
               </a:tr>
-              <a:tr h="239293">
+              <a:tr h="192244">
                 <a:tc>
                   <a:txBody>
                     <a:bodyPr vert="horz" lIns="66203" tIns="66677" rIns="66203" bIns="33634" anchor="ctr" anchorCtr="0"/>
@@ -23971,7 +23971,7 @@
                   </a:tcPr>
                 </a:tc>
               </a:tr>
-              <a:tr h="2036052">
+              <a:tr h="2605945">
                 <a:tc>
                   <a:txBody>
                     <a:bodyPr vert="horz" lIns="66203" tIns="66677" rIns="66203" bIns="33634" anchor="ctr" anchorCtr="0"/>
@@ -23982,7 +23982,7 @@
                         <a:defRPr/>
                       </a:pPr>
                       <a:r>
-                        <a:rPr lang="ko-KR" altLang="en-US" sz="900" b="1">
+                        <a:rPr lang="ko-KR" altLang="en-US" sz="800" b="1">
                           <a:solidFill>
                             <a:srgbClr val="ff0000"/>
                           </a:solidFill>
@@ -23992,7 +23992,7 @@
                         <a:t>각 항목들을 입력 후 회원가입 버튼 클릭</a:t>
                       </a:r>
                       <a:r>
-                        <a:rPr lang="en-US" altLang="ko-KR" sz="900" b="1">
+                        <a:rPr lang="en-US" altLang="ko-KR" sz="800" b="1">
                           <a:solidFill>
                             <a:srgbClr val="ff0000"/>
                           </a:solidFill>
@@ -24001,7 +24001,579 @@
                         </a:rPr>
                         <a:t>.</a:t>
                       </a:r>
-                      <a:endParaRPr lang="en-US" altLang="ko-KR" sz="900" b="1">
+                      <a:endParaRPr lang="en-US" altLang="ko-KR" sz="800" b="1">
+                        <a:solidFill>
+                          <a:srgbClr val="ff0000"/>
+                        </a:solidFill>
+                        <a:latin typeface="돋움"/>
+                        <a:ea typeface="돋움"/>
+                      </a:endParaRPr>
+                    </a:p>
+                    <a:p>
+                      <a:pPr marL="228600" indent="-228600" algn="l" eaLnBrk="1" hangingPunct="1">
+                        <a:buFont typeface="+mj-lt"/>
+                        <a:buAutoNum type="arabicPeriod"/>
+                        <a:defRPr/>
+                      </a:pPr>
+                      <a:endParaRPr lang="en-US" altLang="ko-KR" sz="800" b="1">
+                        <a:solidFill>
+                          <a:srgbClr val="ff0000"/>
+                        </a:solidFill>
+                        <a:latin typeface="돋움"/>
+                        <a:ea typeface="돋움"/>
+                      </a:endParaRPr>
+                    </a:p>
+                    <a:p>
+                      <a:pPr marL="228600" indent="-228600" algn="l" eaLnBrk="1" hangingPunct="1">
+                        <a:buFont typeface="+mj-lt"/>
+                        <a:buAutoNum type="arabicPeriod"/>
+                        <a:defRPr/>
+                      </a:pPr>
+                      <a:r>
+                        <a:rPr lang="en-US" altLang="ko-KR" sz="800" b="1">
+                          <a:solidFill>
+                            <a:srgbClr val="ff0000"/>
+                          </a:solidFill>
+                          <a:latin typeface="돋움"/>
+                          <a:ea typeface="돋움"/>
+                        </a:rPr>
+                        <a:t>*</a:t>
+                      </a:r>
+                      <a:r>
+                        <a:rPr lang="ko-KR" altLang="en-US" sz="800" b="1">
+                          <a:solidFill>
+                            <a:srgbClr val="ff0000"/>
+                          </a:solidFill>
+                          <a:latin typeface="돋움"/>
+                          <a:ea typeface="돋움"/>
+                        </a:rPr>
+                        <a:t>표시된 항목들은 필수 입력 사항</a:t>
+                      </a:r>
+                      <a:r>
+                        <a:rPr lang="en-US" altLang="ko-KR" sz="800" b="1">
+                          <a:solidFill>
+                            <a:srgbClr val="ff0000"/>
+                          </a:solidFill>
+                          <a:latin typeface="돋움"/>
+                          <a:ea typeface="돋움"/>
+                        </a:rPr>
+                        <a:t>.</a:t>
+                      </a:r>
+                      <a:endParaRPr lang="en-US" altLang="ko-KR" sz="800" b="1">
+                        <a:solidFill>
+                          <a:srgbClr val="ff0000"/>
+                        </a:solidFill>
+                        <a:latin typeface="돋움"/>
+                        <a:ea typeface="돋움"/>
+                      </a:endParaRPr>
+                    </a:p>
+                    <a:p>
+                      <a:pPr marL="228600" indent="-228600" algn="l" eaLnBrk="1" hangingPunct="1">
+                        <a:buFont typeface="+mj-lt"/>
+                        <a:buAutoNum type="arabicPeriod"/>
+                        <a:defRPr/>
+                      </a:pPr>
+                      <a:endParaRPr lang="en-US" altLang="ko-KR" sz="800" b="1">
+                        <a:solidFill>
+                          <a:srgbClr val="ff0000"/>
+                        </a:solidFill>
+                        <a:latin typeface="돋움"/>
+                        <a:ea typeface="돋움"/>
+                      </a:endParaRPr>
+                    </a:p>
+                    <a:p>
+                      <a:pPr marL="228600" indent="-228600" algn="l" eaLnBrk="1" hangingPunct="1">
+                        <a:buFont typeface="+mj-lt"/>
+                        <a:buAutoNum type="arabicPeriod"/>
+                        <a:defRPr/>
+                      </a:pPr>
+                      <a:r>
+                        <a:rPr lang="ko-KR" altLang="en-US" sz="800" b="1">
+                          <a:solidFill>
+                            <a:srgbClr val="ff0000"/>
+                          </a:solidFill>
+                          <a:latin typeface="돋움"/>
+                          <a:ea typeface="돋움"/>
+                        </a:rPr>
+                        <a:t>아이디와 이메일의 경우 입력한 다음 중복확인을 해야함</a:t>
+                      </a:r>
+                      <a:r>
+                        <a:rPr lang="en-US" altLang="ko-KR" sz="800" b="1">
+                          <a:solidFill>
+                            <a:srgbClr val="ff0000"/>
+                          </a:solidFill>
+                          <a:latin typeface="돋움"/>
+                          <a:ea typeface="돋움"/>
+                        </a:rPr>
+                        <a:t>.(</a:t>
+                      </a:r>
+                      <a:r>
+                        <a:rPr lang="ko-KR" altLang="en-US" sz="800" b="1">
+                          <a:solidFill>
+                            <a:srgbClr val="ff0000"/>
+                          </a:solidFill>
+                          <a:latin typeface="돋움"/>
+                          <a:ea typeface="돋움"/>
+                        </a:rPr>
+                        <a:t>카카오톡 로그인을 통해서 들어온 경우</a:t>
+                      </a:r>
+                      <a:r>
+                        <a:rPr lang="en-US" altLang="ko-KR" sz="800" b="1">
+                          <a:solidFill>
+                            <a:srgbClr val="ff0000"/>
+                          </a:solidFill>
+                          <a:latin typeface="돋움"/>
+                          <a:ea typeface="돋움"/>
+                        </a:rPr>
+                        <a:t>.</a:t>
+                      </a:r>
+                      <a:r>
+                        <a:rPr lang="ko-KR" altLang="en-US" sz="800" b="1">
+                          <a:solidFill>
+                            <a:srgbClr val="ff0000"/>
+                          </a:solidFill>
+                          <a:latin typeface="돋움"/>
+                          <a:ea typeface="돋움"/>
+                        </a:rPr>
+                        <a:t> 이메일 창은 해당 카카오톡의 아이디로 입력된 상태로 표시</a:t>
+                      </a:r>
+                      <a:r>
+                        <a:rPr lang="en-US" altLang="ko-KR" sz="800" b="1">
+                          <a:solidFill>
+                            <a:srgbClr val="ff0000"/>
+                          </a:solidFill>
+                          <a:latin typeface="돋움"/>
+                          <a:ea typeface="돋움"/>
+                        </a:rPr>
+                        <a:t>.</a:t>
+                      </a:r>
+                      <a:r>
+                        <a:rPr lang="ko-KR" altLang="en-US" sz="800" b="1">
+                          <a:solidFill>
+                            <a:srgbClr val="ff0000"/>
+                          </a:solidFill>
+                          <a:latin typeface="돋움"/>
+                          <a:ea typeface="돋움"/>
+                        </a:rPr>
+                        <a:t> 수정 불가</a:t>
+                      </a:r>
+                      <a:r>
+                        <a:rPr lang="en-US" altLang="ko-KR" sz="800" b="1">
+                          <a:solidFill>
+                            <a:srgbClr val="ff0000"/>
+                          </a:solidFill>
+                          <a:latin typeface="돋움"/>
+                          <a:ea typeface="돋움"/>
+                        </a:rPr>
+                        <a:t>)</a:t>
+                      </a:r>
+                      <a:r>
+                        <a:rPr lang="ko-KR" altLang="en-US" sz="800" b="1">
+                          <a:solidFill>
+                            <a:srgbClr val="ff0000"/>
+                          </a:solidFill>
+                          <a:latin typeface="돋움"/>
+                          <a:ea typeface="돋움"/>
+                        </a:rPr>
+                        <a:t>                                               </a:t>
+                      </a:r>
+                      <a:r>
+                        <a:rPr lang="en-US" altLang="ko-KR" sz="800" b="1">
+                          <a:solidFill>
+                            <a:srgbClr val="ff0000"/>
+                          </a:solidFill>
+                          <a:latin typeface="돋움"/>
+                          <a:ea typeface="돋움"/>
+                        </a:rPr>
+                        <a:t>1)</a:t>
+                      </a:r>
+                      <a:r>
+                        <a:rPr lang="ko-KR" altLang="en-US" sz="800" b="1">
+                          <a:solidFill>
+                            <a:srgbClr val="ff0000"/>
+                          </a:solidFill>
+                          <a:latin typeface="돋움"/>
+                          <a:ea typeface="돋움"/>
+                        </a:rPr>
+                        <a:t> 가입된 정보일 경우 사용중이라는 알림이 표시됨</a:t>
+                      </a:r>
+                      <a:r>
+                        <a:rPr lang="en-US" altLang="ko-KR" sz="800" b="1">
+                          <a:solidFill>
+                            <a:srgbClr val="ff0000"/>
+                          </a:solidFill>
+                          <a:latin typeface="돋움"/>
+                          <a:ea typeface="돋움"/>
+                        </a:rPr>
+                        <a:t>.</a:t>
+                      </a:r>
+                      <a:r>
+                        <a:rPr lang="ko-KR" altLang="en-US" sz="800" b="1">
+                          <a:solidFill>
+                            <a:srgbClr val="ff0000"/>
+                          </a:solidFill>
+                          <a:latin typeface="돋움"/>
+                          <a:ea typeface="돋움"/>
+                        </a:rPr>
+                        <a:t>                                                       </a:t>
+                      </a:r>
+                      <a:r>
+                        <a:rPr lang="en-US" altLang="ko-KR" sz="800" b="1">
+                          <a:solidFill>
+                            <a:srgbClr val="ff0000"/>
+                          </a:solidFill>
+                          <a:latin typeface="돋움"/>
+                          <a:ea typeface="돋움"/>
+                        </a:rPr>
+                        <a:t>2)</a:t>
+                      </a:r>
+                      <a:r>
+                        <a:rPr lang="ko-KR" altLang="en-US" sz="800" b="1">
+                          <a:solidFill>
+                            <a:srgbClr val="ff0000"/>
+                          </a:solidFill>
+                          <a:latin typeface="돋움"/>
+                          <a:ea typeface="돋움"/>
+                        </a:rPr>
+                        <a:t> 중복확인을 마친 다음</a:t>
+                      </a:r>
+                      <a:r>
+                        <a:rPr lang="en-US" altLang="ko-KR" sz="800" b="1">
+                          <a:solidFill>
+                            <a:srgbClr val="ff0000"/>
+                          </a:solidFill>
+                          <a:latin typeface="돋움"/>
+                          <a:ea typeface="돋움"/>
+                        </a:rPr>
+                        <a:t>.</a:t>
+                      </a:r>
+                      <a:r>
+                        <a:rPr lang="ko-KR" altLang="en-US" sz="800" b="1">
+                          <a:solidFill>
+                            <a:srgbClr val="ff0000"/>
+                          </a:solidFill>
+                          <a:latin typeface="돋움"/>
+                          <a:ea typeface="돋움"/>
+                        </a:rPr>
+                        <a:t> 이메일은 </a:t>
+                      </a:r>
+                      <a:r>
+                        <a:rPr lang="en-US" altLang="ko-KR" sz="800" b="1">
+                          <a:solidFill>
+                            <a:srgbClr val="ff0000"/>
+                          </a:solidFill>
+                          <a:latin typeface="돋움"/>
+                          <a:ea typeface="돋움"/>
+                        </a:rPr>
+                        <a:t>‘</a:t>
+                      </a:r>
+                      <a:r>
+                        <a:rPr lang="ko-KR" altLang="en-US" sz="800" b="1">
+                          <a:solidFill>
+                            <a:srgbClr val="ff0000"/>
+                          </a:solidFill>
+                          <a:latin typeface="돋움"/>
+                          <a:ea typeface="돋움"/>
+                        </a:rPr>
+                        <a:t>인증번호 받기</a:t>
+                      </a:r>
+                      <a:r>
+                        <a:rPr lang="en-US" altLang="ko-KR" sz="800" b="1">
+                          <a:solidFill>
+                            <a:srgbClr val="ff0000"/>
+                          </a:solidFill>
+                          <a:latin typeface="돋움"/>
+                          <a:ea typeface="돋움"/>
+                        </a:rPr>
+                        <a:t>’</a:t>
+                      </a:r>
+                      <a:r>
+                        <a:rPr lang="ko-KR" altLang="en-US" sz="800" b="1">
+                          <a:solidFill>
+                            <a:srgbClr val="ff0000"/>
+                          </a:solidFill>
+                          <a:latin typeface="돋움"/>
+                          <a:ea typeface="돋움"/>
+                        </a:rPr>
+                        <a:t> 버튼을 통해서 인증번호를 수신받고 입력해야함</a:t>
+                      </a:r>
+                      <a:r>
+                        <a:rPr lang="en-US" altLang="ko-KR" sz="800" b="1">
+                          <a:solidFill>
+                            <a:srgbClr val="ff0000"/>
+                          </a:solidFill>
+                          <a:latin typeface="돋움"/>
+                          <a:ea typeface="돋움"/>
+                        </a:rPr>
+                        <a:t>.</a:t>
+                      </a:r>
+                      <a:endParaRPr lang="en-US" altLang="ko-KR" sz="800" b="1">
+                        <a:solidFill>
+                          <a:srgbClr val="ff0000"/>
+                        </a:solidFill>
+                        <a:latin typeface="돋움"/>
+                        <a:ea typeface="돋움"/>
+                      </a:endParaRPr>
+                    </a:p>
+                    <a:p>
+                      <a:pPr marL="228600" indent="-228600" algn="l" eaLnBrk="1" hangingPunct="1">
+                        <a:buFont typeface="+mj-lt"/>
+                        <a:buAutoNum type="arabicPeriod"/>
+                        <a:defRPr/>
+                      </a:pPr>
+                      <a:endParaRPr lang="en-US" altLang="ko-KR" sz="800" b="1">
+                        <a:solidFill>
+                          <a:srgbClr val="ff0000"/>
+                        </a:solidFill>
+                        <a:latin typeface="돋움"/>
+                        <a:ea typeface="돋움"/>
+                      </a:endParaRPr>
+                    </a:p>
+                    <a:p>
+                      <a:pPr marL="228600" indent="-228600" algn="l" eaLnBrk="1" hangingPunct="1">
+                        <a:buFont typeface="+mj-lt"/>
+                        <a:buAutoNum type="arabicPeriod"/>
+                        <a:defRPr/>
+                      </a:pPr>
+                      <a:r>
+                        <a:rPr lang="ko-KR" altLang="en-US" sz="800" b="1">
+                          <a:solidFill>
+                            <a:srgbClr val="ff0000"/>
+                          </a:solidFill>
+                          <a:latin typeface="돋움"/>
+                          <a:ea typeface="돋움"/>
+                        </a:rPr>
+                        <a:t>주소의 경우 </a:t>
+                      </a:r>
+                      <a:r>
+                        <a:rPr lang="en-US" altLang="ko-KR" sz="800" b="1">
+                          <a:solidFill>
+                            <a:srgbClr val="ff0000"/>
+                          </a:solidFill>
+                          <a:latin typeface="돋움"/>
+                          <a:ea typeface="돋움"/>
+                        </a:rPr>
+                        <a:t>‘</a:t>
+                      </a:r>
+                      <a:r>
+                        <a:rPr lang="ko-KR" altLang="en-US" sz="800" b="1">
+                          <a:solidFill>
+                            <a:srgbClr val="ff0000"/>
+                          </a:solidFill>
+                          <a:latin typeface="돋움"/>
+                          <a:ea typeface="돋움"/>
+                        </a:rPr>
+                        <a:t>우편번호 찾기</a:t>
+                      </a:r>
+                      <a:r>
+                        <a:rPr lang="en-US" altLang="ko-KR" sz="800" b="1">
+                          <a:solidFill>
+                            <a:srgbClr val="ff0000"/>
+                          </a:solidFill>
+                          <a:latin typeface="돋움"/>
+                          <a:ea typeface="돋움"/>
+                        </a:rPr>
+                        <a:t>’</a:t>
+                      </a:r>
+                      <a:r>
+                        <a:rPr lang="ko-KR" altLang="en-US" sz="800" b="1">
+                          <a:solidFill>
+                            <a:srgbClr val="ff0000"/>
+                          </a:solidFill>
+                          <a:latin typeface="돋움"/>
+                          <a:ea typeface="돋움"/>
+                        </a:rPr>
+                        <a:t>버튼을 통해서 입력</a:t>
+                      </a:r>
+                      <a:r>
+                        <a:rPr lang="en-US" altLang="ko-KR" sz="800" b="1">
+                          <a:solidFill>
+                            <a:srgbClr val="ff0000"/>
+                          </a:solidFill>
+                          <a:latin typeface="돋움"/>
+                          <a:ea typeface="돋움"/>
+                        </a:rPr>
+                        <a:t>.</a:t>
+                      </a:r>
+                      <a:endParaRPr lang="en-US" altLang="ko-KR" sz="800" b="1">
+                        <a:solidFill>
+                          <a:srgbClr val="ff0000"/>
+                        </a:solidFill>
+                        <a:latin typeface="돋움"/>
+                        <a:ea typeface="돋움"/>
+                      </a:endParaRPr>
+                    </a:p>
+                    <a:p>
+                      <a:pPr marL="228600" indent="-228600" algn="l" eaLnBrk="1" hangingPunct="1">
+                        <a:buFont typeface="+mj-lt"/>
+                        <a:buAutoNum type="arabicPeriod"/>
+                        <a:defRPr/>
+                      </a:pPr>
+                      <a:endParaRPr lang="en-US" altLang="ko-KR" sz="800" b="1">
+                        <a:solidFill>
+                          <a:srgbClr val="ff0000"/>
+                        </a:solidFill>
+                        <a:latin typeface="돋움"/>
+                        <a:ea typeface="돋움"/>
+                      </a:endParaRPr>
+                    </a:p>
+                    <a:p>
+                      <a:pPr marL="228600" indent="-228600" algn="l" eaLnBrk="1" hangingPunct="1">
+                        <a:buFont typeface="+mj-lt"/>
+                        <a:buAutoNum type="arabicPeriod"/>
+                        <a:defRPr/>
+                      </a:pPr>
+                      <a:r>
+                        <a:rPr lang="ko-KR" altLang="en-US" sz="800" b="1">
+                          <a:solidFill>
+                            <a:srgbClr val="ff0000"/>
+                          </a:solidFill>
+                          <a:latin typeface="돋움"/>
+                          <a:ea typeface="돋움"/>
+                        </a:rPr>
+                        <a:t>하단의 이용약관 체크 필수</a:t>
+                      </a:r>
+                      <a:r>
+                        <a:rPr lang="en-US" altLang="ko-KR" sz="800" b="1">
+                          <a:solidFill>
+                            <a:srgbClr val="ff0000"/>
+                          </a:solidFill>
+                          <a:latin typeface="돋움"/>
+                          <a:ea typeface="돋움"/>
+                        </a:rPr>
+                        <a:t>.</a:t>
+                      </a:r>
+                      <a:endParaRPr lang="en-US" altLang="ko-KR" sz="800" b="1">
+                        <a:solidFill>
+                          <a:srgbClr val="ff0000"/>
+                        </a:solidFill>
+                        <a:latin typeface="돋움"/>
+                        <a:ea typeface="돋움"/>
+                      </a:endParaRPr>
+                    </a:p>
+                    <a:p>
+                      <a:pPr marL="228600" indent="-228600" algn="l" eaLnBrk="1" hangingPunct="1">
+                        <a:buFont typeface="+mj-lt"/>
+                        <a:buAutoNum type="arabicPeriod"/>
+                        <a:defRPr/>
+                      </a:pPr>
+                      <a:endParaRPr lang="en-US" altLang="ko-KR" sz="800" b="1">
+                        <a:solidFill>
+                          <a:srgbClr val="ff0000"/>
+                        </a:solidFill>
+                        <a:latin typeface="돋움"/>
+                        <a:ea typeface="돋움"/>
+                      </a:endParaRPr>
+                    </a:p>
+                    <a:p>
+                      <a:pPr marL="228600" indent="-228600" algn="l" eaLnBrk="1" hangingPunct="1">
+                        <a:buFont typeface="+mj-lt"/>
+                        <a:buAutoNum type="arabicPeriod"/>
+                        <a:defRPr/>
+                      </a:pPr>
+                      <a:r>
+                        <a:rPr lang="en-US" altLang="ko-KR" sz="800" b="1">
+                          <a:solidFill>
+                            <a:srgbClr val="ff0000"/>
+                          </a:solidFill>
+                          <a:latin typeface="돋움"/>
+                          <a:ea typeface="돋움"/>
+                        </a:rPr>
+                        <a:t>‘</a:t>
+                      </a:r>
+                      <a:r>
+                        <a:rPr lang="ko-KR" altLang="en-US" sz="800" b="1">
+                          <a:solidFill>
+                            <a:srgbClr val="ff0000"/>
+                          </a:solidFill>
+                          <a:latin typeface="돋움"/>
+                          <a:ea typeface="돋움"/>
+                        </a:rPr>
+                        <a:t>뒤로</a:t>
+                      </a:r>
+                      <a:r>
+                        <a:rPr lang="en-US" altLang="ko-KR" sz="800" b="1">
+                          <a:solidFill>
+                            <a:srgbClr val="ff0000"/>
+                          </a:solidFill>
+                          <a:latin typeface="돋움"/>
+                          <a:ea typeface="돋움"/>
+                        </a:rPr>
+                        <a:t>’</a:t>
+                      </a:r>
+                      <a:r>
+                        <a:rPr lang="ko-KR" altLang="en-US" sz="800" b="1">
+                          <a:solidFill>
+                            <a:srgbClr val="ff0000"/>
+                          </a:solidFill>
+                          <a:latin typeface="돋움"/>
+                          <a:ea typeface="돋움"/>
+                        </a:rPr>
+                        <a:t> 버튼을 클릭시 이전페이지로 이동</a:t>
+                      </a:r>
+                      <a:r>
+                        <a:rPr lang="en-US" altLang="ko-KR" sz="800" b="1">
+                          <a:solidFill>
+                            <a:srgbClr val="ff0000"/>
+                          </a:solidFill>
+                          <a:latin typeface="돋움"/>
+                          <a:ea typeface="돋움"/>
+                        </a:rPr>
+                        <a:t>.</a:t>
+                      </a:r>
+                      <a:endParaRPr lang="en-US" altLang="ko-KR" sz="800" b="1">
+                        <a:solidFill>
+                          <a:srgbClr val="ff0000"/>
+                        </a:solidFill>
+                        <a:latin typeface="돋움"/>
+                        <a:ea typeface="돋움"/>
+                      </a:endParaRPr>
+                    </a:p>
+                    <a:p>
+                      <a:pPr marL="228600" indent="-228600" algn="l" eaLnBrk="1" hangingPunct="1">
+                        <a:buFont typeface="+mj-lt"/>
+                        <a:buAutoNum type="arabicPeriod"/>
+                        <a:defRPr/>
+                      </a:pPr>
+                      <a:endParaRPr lang="en-US" altLang="ko-KR" sz="800" b="1">
+                        <a:solidFill>
+                          <a:srgbClr val="ff0000"/>
+                        </a:solidFill>
+                        <a:latin typeface="돋움"/>
+                        <a:ea typeface="돋움"/>
+                      </a:endParaRPr>
+                    </a:p>
+                    <a:p>
+                      <a:pPr marL="228600" indent="-228600" algn="l" eaLnBrk="1" hangingPunct="1">
+                        <a:buFont typeface="+mj-lt"/>
+                        <a:buAutoNum type="arabicPeriod"/>
+                        <a:defRPr/>
+                      </a:pPr>
+                      <a:r>
+                        <a:rPr lang="ko-KR" altLang="en-US" sz="800" b="1">
+                          <a:solidFill>
+                            <a:srgbClr val="ff0000"/>
+                          </a:solidFill>
+                          <a:latin typeface="돋움"/>
+                          <a:ea typeface="돋움"/>
+                        </a:rPr>
+                        <a:t>입력사항들의 조건이 맞지 않을 경우 경고 알림 표시</a:t>
+                      </a:r>
+                      <a:endParaRPr lang="ko-KR" altLang="en-US" sz="800" b="1">
+                        <a:solidFill>
+                          <a:srgbClr val="ff0000"/>
+                        </a:solidFill>
+                        <a:latin typeface="돋움"/>
+                        <a:ea typeface="돋움"/>
+                      </a:endParaRPr>
+                    </a:p>
+                    <a:p>
+                      <a:pPr marL="228600" indent="-228600" algn="l" eaLnBrk="1" hangingPunct="1">
+                        <a:buFont typeface="+mj-lt"/>
+                        <a:buAutoNum type="arabicPeriod"/>
+                        <a:defRPr/>
+                      </a:pPr>
+                      <a:endParaRPr lang="en-US" altLang="ko-KR" sz="800" b="1">
                         <a:solidFill>
                           <a:srgbClr val="ff0000"/>
                         </a:solidFill>
@@ -24023,578 +24595,6 @@
                         <a:ea typeface="돋움"/>
                       </a:endParaRPr>
                     </a:p>
-                    <a:p>
-                      <a:pPr marL="228600" indent="-228600" algn="l" eaLnBrk="1" hangingPunct="1">
-                        <a:buFont typeface="+mj-lt"/>
-                        <a:buAutoNum type="arabicPeriod"/>
-                        <a:defRPr/>
-                      </a:pPr>
-                      <a:r>
-                        <a:rPr lang="en-US" altLang="ko-KR" sz="900" b="1">
-                          <a:solidFill>
-                            <a:srgbClr val="ff0000"/>
-                          </a:solidFill>
-                          <a:latin typeface="돋움"/>
-                          <a:ea typeface="돋움"/>
-                        </a:rPr>
-                        <a:t>*</a:t>
-                      </a:r>
-                      <a:r>
-                        <a:rPr lang="ko-KR" altLang="en-US" sz="900" b="1">
-                          <a:solidFill>
-                            <a:srgbClr val="ff0000"/>
-                          </a:solidFill>
-                          <a:latin typeface="돋움"/>
-                          <a:ea typeface="돋움"/>
-                        </a:rPr>
-                        <a:t>표시된 항목들은 필수 입력 사항</a:t>
-                      </a:r>
-                      <a:r>
-                        <a:rPr lang="en-US" altLang="ko-KR" sz="900" b="1">
-                          <a:solidFill>
-                            <a:srgbClr val="ff0000"/>
-                          </a:solidFill>
-                          <a:latin typeface="돋움"/>
-                          <a:ea typeface="돋움"/>
-                        </a:rPr>
-                        <a:t>.</a:t>
-                      </a:r>
-                      <a:endParaRPr lang="en-US" altLang="ko-KR" sz="900" b="1">
-                        <a:solidFill>
-                          <a:srgbClr val="ff0000"/>
-                        </a:solidFill>
-                        <a:latin typeface="돋움"/>
-                        <a:ea typeface="돋움"/>
-                      </a:endParaRPr>
-                    </a:p>
-                    <a:p>
-                      <a:pPr marL="228600" indent="-228600" algn="l" eaLnBrk="1" hangingPunct="1">
-                        <a:buFont typeface="+mj-lt"/>
-                        <a:buAutoNum type="arabicPeriod"/>
-                        <a:defRPr/>
-                      </a:pPr>
-                      <a:endParaRPr lang="en-US" altLang="ko-KR" sz="900" b="1">
-                        <a:solidFill>
-                          <a:srgbClr val="ff0000"/>
-                        </a:solidFill>
-                        <a:latin typeface="돋움"/>
-                        <a:ea typeface="돋움"/>
-                      </a:endParaRPr>
-                    </a:p>
-                    <a:p>
-                      <a:pPr marL="228600" indent="-228600" algn="l" eaLnBrk="1" hangingPunct="1">
-                        <a:buFont typeface="+mj-lt"/>
-                        <a:buAutoNum type="arabicPeriod"/>
-                        <a:defRPr/>
-                      </a:pPr>
-                      <a:r>
-                        <a:rPr lang="ko-KR" altLang="en-US" sz="900" b="1">
-                          <a:solidFill>
-                            <a:srgbClr val="ff0000"/>
-                          </a:solidFill>
-                          <a:latin typeface="돋움"/>
-                          <a:ea typeface="돋움"/>
-                        </a:rPr>
-                        <a:t>아이디와 이메일의 경우 입력한 다음 중복확인을 해야함</a:t>
-                      </a:r>
-                      <a:r>
-                        <a:rPr lang="en-US" altLang="ko-KR" sz="900" b="1">
-                          <a:solidFill>
-                            <a:srgbClr val="ff0000"/>
-                          </a:solidFill>
-                          <a:latin typeface="돋움"/>
-                          <a:ea typeface="돋움"/>
-                        </a:rPr>
-                        <a:t>.(</a:t>
-                      </a:r>
-                      <a:r>
-                        <a:rPr lang="ko-KR" altLang="en-US" sz="900" b="1">
-                          <a:solidFill>
-                            <a:srgbClr val="ff0000"/>
-                          </a:solidFill>
-                          <a:latin typeface="돋움"/>
-                          <a:ea typeface="돋움"/>
-                        </a:rPr>
-                        <a:t>카카오톡 로그인을 통해서 들어온 경우</a:t>
-                      </a:r>
-                      <a:r>
-                        <a:rPr lang="en-US" altLang="ko-KR" sz="900" b="1">
-                          <a:solidFill>
-                            <a:srgbClr val="ff0000"/>
-                          </a:solidFill>
-                          <a:latin typeface="돋움"/>
-                          <a:ea typeface="돋움"/>
-                        </a:rPr>
-                        <a:t>.</a:t>
-                      </a:r>
-                      <a:r>
-                        <a:rPr lang="ko-KR" altLang="en-US" sz="900" b="1">
-                          <a:solidFill>
-                            <a:srgbClr val="ff0000"/>
-                          </a:solidFill>
-                          <a:latin typeface="돋움"/>
-                          <a:ea typeface="돋움"/>
-                        </a:rPr>
-                        <a:t> 이메일 창은 해당 카카오톡의 아이디로 입력된 상태로 표시</a:t>
-                      </a:r>
-                      <a:r>
-                        <a:rPr lang="en-US" altLang="ko-KR" sz="900" b="1">
-                          <a:solidFill>
-                            <a:srgbClr val="ff0000"/>
-                          </a:solidFill>
-                          <a:latin typeface="돋움"/>
-                          <a:ea typeface="돋움"/>
-                        </a:rPr>
-                        <a:t>.</a:t>
-                      </a:r>
-                      <a:r>
-                        <a:rPr lang="ko-KR" altLang="en-US" sz="900" b="1">
-                          <a:solidFill>
-                            <a:srgbClr val="ff0000"/>
-                          </a:solidFill>
-                          <a:latin typeface="돋움"/>
-                          <a:ea typeface="돋움"/>
-                        </a:rPr>
-                        <a:t> 수정 불가</a:t>
-                      </a:r>
-                      <a:r>
-                        <a:rPr lang="en-US" altLang="ko-KR" sz="900" b="1">
-                          <a:solidFill>
-                            <a:srgbClr val="ff0000"/>
-                          </a:solidFill>
-                          <a:latin typeface="돋움"/>
-                          <a:ea typeface="돋움"/>
-                        </a:rPr>
-                        <a:t>)</a:t>
-                      </a:r>
-                      <a:r>
-                        <a:rPr lang="ko-KR" altLang="en-US" sz="900" b="1">
-                          <a:solidFill>
-                            <a:srgbClr val="ff0000"/>
-                          </a:solidFill>
-                          <a:latin typeface="돋움"/>
-                          <a:ea typeface="돋움"/>
-                        </a:rPr>
-                        <a:t>                                               </a:t>
-                      </a:r>
-                      <a:r>
-                        <a:rPr lang="en-US" altLang="ko-KR" sz="900" b="1">
-                          <a:solidFill>
-                            <a:srgbClr val="ff0000"/>
-                          </a:solidFill>
-                          <a:latin typeface="돋움"/>
-                          <a:ea typeface="돋움"/>
-                        </a:rPr>
-                        <a:t>1)</a:t>
-                      </a:r>
-                      <a:r>
-                        <a:rPr lang="ko-KR" altLang="en-US" sz="900" b="1">
-                          <a:solidFill>
-                            <a:srgbClr val="ff0000"/>
-                          </a:solidFill>
-                          <a:latin typeface="돋움"/>
-                          <a:ea typeface="돋움"/>
-                        </a:rPr>
-                        <a:t> 가입된 정보일 경우 사용중이라는 알림이 표시됨</a:t>
-                      </a:r>
-                      <a:r>
-                        <a:rPr lang="en-US" altLang="ko-KR" sz="900" b="1">
-                          <a:solidFill>
-                            <a:srgbClr val="ff0000"/>
-                          </a:solidFill>
-                          <a:latin typeface="돋움"/>
-                          <a:ea typeface="돋움"/>
-                        </a:rPr>
-                        <a:t>.</a:t>
-                      </a:r>
-                      <a:r>
-                        <a:rPr lang="ko-KR" altLang="en-US" sz="900" b="1">
-                          <a:solidFill>
-                            <a:srgbClr val="ff0000"/>
-                          </a:solidFill>
-                          <a:latin typeface="돋움"/>
-                          <a:ea typeface="돋움"/>
-                        </a:rPr>
-                        <a:t>                                                       </a:t>
-                      </a:r>
-                      <a:r>
-                        <a:rPr lang="en-US" altLang="ko-KR" sz="900" b="1">
-                          <a:solidFill>
-                            <a:srgbClr val="ff0000"/>
-                          </a:solidFill>
-                          <a:latin typeface="돋움"/>
-                          <a:ea typeface="돋움"/>
-                        </a:rPr>
-                        <a:t>2)</a:t>
-                      </a:r>
-                      <a:r>
-                        <a:rPr lang="ko-KR" altLang="en-US" sz="900" b="1">
-                          <a:solidFill>
-                            <a:srgbClr val="ff0000"/>
-                          </a:solidFill>
-                          <a:latin typeface="돋움"/>
-                          <a:ea typeface="돋움"/>
-                        </a:rPr>
-                        <a:t> 중복확인을 마친 다음</a:t>
-                      </a:r>
-                      <a:r>
-                        <a:rPr lang="en-US" altLang="ko-KR" sz="900" b="1">
-                          <a:solidFill>
-                            <a:srgbClr val="ff0000"/>
-                          </a:solidFill>
-                          <a:latin typeface="돋움"/>
-                          <a:ea typeface="돋움"/>
-                        </a:rPr>
-                        <a:t>.</a:t>
-                      </a:r>
-                      <a:r>
-                        <a:rPr lang="ko-KR" altLang="en-US" sz="900" b="1">
-                          <a:solidFill>
-                            <a:srgbClr val="ff0000"/>
-                          </a:solidFill>
-                          <a:latin typeface="돋움"/>
-                          <a:ea typeface="돋움"/>
-                        </a:rPr>
-                        <a:t> 이메일은 </a:t>
-                      </a:r>
-                      <a:r>
-                        <a:rPr lang="en-US" altLang="ko-KR" sz="900" b="1">
-                          <a:solidFill>
-                            <a:srgbClr val="ff0000"/>
-                          </a:solidFill>
-                          <a:latin typeface="돋움"/>
-                          <a:ea typeface="돋움"/>
-                        </a:rPr>
-                        <a:t>‘</a:t>
-                      </a:r>
-                      <a:r>
-                        <a:rPr lang="ko-KR" altLang="en-US" sz="900" b="1">
-                          <a:solidFill>
-                            <a:srgbClr val="ff0000"/>
-                          </a:solidFill>
-                          <a:latin typeface="돋움"/>
-                          <a:ea typeface="돋움"/>
-                        </a:rPr>
-                        <a:t>인증번호 받기</a:t>
-                      </a:r>
-                      <a:r>
-                        <a:rPr lang="en-US" altLang="ko-KR" sz="900" b="1">
-                          <a:solidFill>
-                            <a:srgbClr val="ff0000"/>
-                          </a:solidFill>
-                          <a:latin typeface="돋움"/>
-                          <a:ea typeface="돋움"/>
-                        </a:rPr>
-                        <a:t>’</a:t>
-                      </a:r>
-                      <a:r>
-                        <a:rPr lang="ko-KR" altLang="en-US" sz="900" b="1">
-                          <a:solidFill>
-                            <a:srgbClr val="ff0000"/>
-                          </a:solidFill>
-                          <a:latin typeface="돋움"/>
-                          <a:ea typeface="돋움"/>
-                        </a:rPr>
-                        <a:t> 버튼을 통해서 인증번호를 수신받고 입력해야함</a:t>
-                      </a:r>
-                      <a:r>
-                        <a:rPr lang="en-US" altLang="ko-KR" sz="900" b="1">
-                          <a:solidFill>
-                            <a:srgbClr val="ff0000"/>
-                          </a:solidFill>
-                          <a:latin typeface="돋움"/>
-                          <a:ea typeface="돋움"/>
-                        </a:rPr>
-                        <a:t>.</a:t>
-                      </a:r>
-                      <a:endParaRPr lang="en-US" altLang="ko-KR" sz="900" b="1">
-                        <a:solidFill>
-                          <a:srgbClr val="ff0000"/>
-                        </a:solidFill>
-                        <a:latin typeface="돋움"/>
-                        <a:ea typeface="돋움"/>
-                      </a:endParaRPr>
-                    </a:p>
-                    <a:p>
-                      <a:pPr marL="228600" indent="-228600" algn="l" eaLnBrk="1" hangingPunct="1">
-                        <a:buFont typeface="+mj-lt"/>
-                        <a:buAutoNum type="arabicPeriod"/>
-                        <a:defRPr/>
-                      </a:pPr>
-                      <a:endParaRPr lang="en-US" altLang="ko-KR" sz="900" b="1">
-                        <a:solidFill>
-                          <a:srgbClr val="ff0000"/>
-                        </a:solidFill>
-                        <a:latin typeface="돋움"/>
-                        <a:ea typeface="돋움"/>
-                      </a:endParaRPr>
-                    </a:p>
-                    <a:p>
-                      <a:pPr marL="228600" indent="-228600" algn="l" eaLnBrk="1" hangingPunct="1">
-                        <a:buFont typeface="+mj-lt"/>
-                        <a:buAutoNum type="arabicPeriod"/>
-                        <a:defRPr/>
-                      </a:pPr>
-                      <a:r>
-                        <a:rPr lang="ko-KR" altLang="en-US" sz="900" b="1">
-                          <a:solidFill>
-                            <a:srgbClr val="ff0000"/>
-                          </a:solidFill>
-                          <a:latin typeface="돋움"/>
-                          <a:ea typeface="돋움"/>
-                        </a:rPr>
-                        <a:t>주소의 경우 </a:t>
-                      </a:r>
-                      <a:r>
-                        <a:rPr lang="en-US" altLang="ko-KR" sz="900" b="1">
-                          <a:solidFill>
-                            <a:srgbClr val="ff0000"/>
-                          </a:solidFill>
-                          <a:latin typeface="돋움"/>
-                          <a:ea typeface="돋움"/>
-                        </a:rPr>
-                        <a:t>‘</a:t>
-                      </a:r>
-                      <a:r>
-                        <a:rPr lang="ko-KR" altLang="en-US" sz="900" b="1">
-                          <a:solidFill>
-                            <a:srgbClr val="ff0000"/>
-                          </a:solidFill>
-                          <a:latin typeface="돋움"/>
-                          <a:ea typeface="돋움"/>
-                        </a:rPr>
-                        <a:t>우편번호 찾기</a:t>
-                      </a:r>
-                      <a:r>
-                        <a:rPr lang="en-US" altLang="ko-KR" sz="900" b="1">
-                          <a:solidFill>
-                            <a:srgbClr val="ff0000"/>
-                          </a:solidFill>
-                          <a:latin typeface="돋움"/>
-                          <a:ea typeface="돋움"/>
-                        </a:rPr>
-                        <a:t>’</a:t>
-                      </a:r>
-                      <a:r>
-                        <a:rPr lang="ko-KR" altLang="en-US" sz="900" b="1">
-                          <a:solidFill>
-                            <a:srgbClr val="ff0000"/>
-                          </a:solidFill>
-                          <a:latin typeface="돋움"/>
-                          <a:ea typeface="돋움"/>
-                        </a:rPr>
-                        <a:t>버튼을 통해서 입력</a:t>
-                      </a:r>
-                      <a:r>
-                        <a:rPr lang="en-US" altLang="ko-KR" sz="900" b="1">
-                          <a:solidFill>
-                            <a:srgbClr val="ff0000"/>
-                          </a:solidFill>
-                          <a:latin typeface="돋움"/>
-                          <a:ea typeface="돋움"/>
-                        </a:rPr>
-                        <a:t>.</a:t>
-                      </a:r>
-                      <a:endParaRPr lang="en-US" altLang="ko-KR" sz="900" b="1">
-                        <a:solidFill>
-                          <a:srgbClr val="ff0000"/>
-                        </a:solidFill>
-                        <a:latin typeface="돋움"/>
-                        <a:ea typeface="돋움"/>
-                      </a:endParaRPr>
-                    </a:p>
-                    <a:p>
-                      <a:pPr marL="228600" indent="-228600" algn="l" eaLnBrk="1" hangingPunct="1">
-                        <a:buFont typeface="+mj-lt"/>
-                        <a:buAutoNum type="arabicPeriod"/>
-                        <a:defRPr/>
-                      </a:pPr>
-                      <a:endParaRPr lang="en-US" altLang="ko-KR" sz="900" b="1">
-                        <a:solidFill>
-                          <a:srgbClr val="ff0000"/>
-                        </a:solidFill>
-                        <a:latin typeface="돋움"/>
-                        <a:ea typeface="돋움"/>
-                      </a:endParaRPr>
-                    </a:p>
-                    <a:p>
-                      <a:pPr marL="228600" indent="-228600" algn="l" eaLnBrk="1" hangingPunct="1">
-                        <a:buFont typeface="+mj-lt"/>
-                        <a:buAutoNum type="arabicPeriod"/>
-                        <a:defRPr/>
-                      </a:pPr>
-                      <a:r>
-                        <a:rPr lang="ko-KR" altLang="en-US" sz="900" b="1">
-                          <a:solidFill>
-                            <a:srgbClr val="ff0000"/>
-                          </a:solidFill>
-                          <a:latin typeface="돋움"/>
-                          <a:ea typeface="돋움"/>
-                        </a:rPr>
-                        <a:t>하단의 이용약관 체크 필수</a:t>
-                      </a:r>
-                      <a:r>
-                        <a:rPr lang="en-US" altLang="ko-KR" sz="900" b="1">
-                          <a:solidFill>
-                            <a:srgbClr val="ff0000"/>
-                          </a:solidFill>
-                          <a:latin typeface="돋움"/>
-                          <a:ea typeface="돋움"/>
-                        </a:rPr>
-                        <a:t>.</a:t>
-                      </a:r>
-                      <a:endParaRPr lang="en-US" altLang="ko-KR" sz="900" b="1">
-                        <a:solidFill>
-                          <a:srgbClr val="ff0000"/>
-                        </a:solidFill>
-                        <a:latin typeface="돋움"/>
-                        <a:ea typeface="돋움"/>
-                      </a:endParaRPr>
-                    </a:p>
-                    <a:p>
-                      <a:pPr marL="228600" indent="-228600" algn="l" eaLnBrk="1" hangingPunct="1">
-                        <a:buFont typeface="+mj-lt"/>
-                        <a:buAutoNum type="arabicPeriod"/>
-                        <a:defRPr/>
-                      </a:pPr>
-                      <a:endParaRPr lang="en-US" altLang="ko-KR" sz="900" b="1">
-                        <a:solidFill>
-                          <a:srgbClr val="ff0000"/>
-                        </a:solidFill>
-                        <a:latin typeface="돋움"/>
-                        <a:ea typeface="돋움"/>
-                      </a:endParaRPr>
-                    </a:p>
-                    <a:p>
-                      <a:pPr marL="228600" indent="-228600" algn="l" eaLnBrk="1" hangingPunct="1">
-                        <a:buFont typeface="+mj-lt"/>
-                        <a:buAutoNum type="arabicPeriod"/>
-                        <a:defRPr/>
-                      </a:pPr>
-                      <a:r>
-                        <a:rPr lang="en-US" altLang="ko-KR" sz="900" b="1">
-                          <a:solidFill>
-                            <a:srgbClr val="ff0000"/>
-                          </a:solidFill>
-                          <a:latin typeface="돋움"/>
-                          <a:ea typeface="돋움"/>
-                        </a:rPr>
-                        <a:t>‘</a:t>
-                      </a:r>
-                      <a:r>
-                        <a:rPr lang="ko-KR" altLang="en-US" sz="900" b="1">
-                          <a:solidFill>
-                            <a:srgbClr val="ff0000"/>
-                          </a:solidFill>
-                          <a:latin typeface="돋움"/>
-                          <a:ea typeface="돋움"/>
-                        </a:rPr>
-                        <a:t>뒤로</a:t>
-                      </a:r>
-                      <a:r>
-                        <a:rPr lang="en-US" altLang="ko-KR" sz="900" b="1">
-                          <a:solidFill>
-                            <a:srgbClr val="ff0000"/>
-                          </a:solidFill>
-                          <a:latin typeface="돋움"/>
-                          <a:ea typeface="돋움"/>
-                        </a:rPr>
-                        <a:t>’</a:t>
-                      </a:r>
-                      <a:r>
-                        <a:rPr lang="ko-KR" altLang="en-US" sz="900" b="1">
-                          <a:solidFill>
-                            <a:srgbClr val="ff0000"/>
-                          </a:solidFill>
-                          <a:latin typeface="돋움"/>
-                          <a:ea typeface="돋움"/>
-                        </a:rPr>
-                        <a:t> 버튼을 클릭시 이전페이지로 이동</a:t>
-                      </a:r>
-                      <a:r>
-                        <a:rPr lang="en-US" altLang="ko-KR" sz="900" b="1">
-                          <a:solidFill>
-                            <a:srgbClr val="ff0000"/>
-                          </a:solidFill>
-                          <a:latin typeface="돋움"/>
-                          <a:ea typeface="돋움"/>
-                        </a:rPr>
-                        <a:t>.</a:t>
-                      </a:r>
-                      <a:endParaRPr lang="en-US" altLang="ko-KR" sz="900" b="1">
-                        <a:solidFill>
-                          <a:srgbClr val="ff0000"/>
-                        </a:solidFill>
-                        <a:latin typeface="돋움"/>
-                        <a:ea typeface="돋움"/>
-                      </a:endParaRPr>
-                    </a:p>
-                    <a:p>
-                      <a:pPr marL="228600" indent="-228600" algn="l" eaLnBrk="1" hangingPunct="1">
-                        <a:buFont typeface="+mj-lt"/>
-                        <a:buAutoNum type="arabicPeriod"/>
-                        <a:defRPr/>
-                      </a:pPr>
-                      <a:endParaRPr lang="en-US" altLang="ko-KR" sz="900" b="1">
-                        <a:solidFill>
-                          <a:srgbClr val="ff0000"/>
-                        </a:solidFill>
-                        <a:latin typeface="돋움"/>
-                        <a:ea typeface="돋움"/>
-                      </a:endParaRPr>
-                    </a:p>
-                    <a:p>
-                      <a:pPr marL="228600" indent="-228600" algn="l" eaLnBrk="1" hangingPunct="1">
-                        <a:buFont typeface="+mj-lt"/>
-                        <a:buAutoNum type="arabicPeriod"/>
-                        <a:defRPr/>
-                      </a:pPr>
-                      <a:r>
-                        <a:rPr lang="ko-KR" altLang="en-US" sz="900" b="1">
-                          <a:solidFill>
-                            <a:srgbClr val="ff0000"/>
-                          </a:solidFill>
-                          <a:latin typeface="돋움"/>
-                          <a:ea typeface="돋움"/>
-                        </a:rPr>
-                        <a:t>입력사항들의 조건이 맞지 않을 경우 경고 알림 표시</a:t>
-                      </a:r>
-                      <a:endParaRPr lang="ko-KR" altLang="en-US" sz="900" b="1">
-                        <a:solidFill>
-                          <a:srgbClr val="ff0000"/>
-                        </a:solidFill>
-                        <a:latin typeface="돋움"/>
-                        <a:ea typeface="돋움"/>
-                      </a:endParaRPr>
-                    </a:p>
-                    <a:p>
-                      <a:pPr marL="228600" indent="-228600" algn="l" eaLnBrk="1" hangingPunct="1">
-                        <a:buFont typeface="+mj-lt"/>
-                        <a:buAutoNum type="arabicPeriod"/>
-                        <a:defRPr/>
-                      </a:pPr>
-                      <a:endParaRPr lang="en-US" altLang="ko-KR" sz="900" b="1">
-                        <a:solidFill>
-                          <a:srgbClr val="ff0000"/>
-                        </a:solidFill>
-                        <a:latin typeface="돋움"/>
-                        <a:ea typeface="돋움"/>
-                      </a:endParaRPr>
-                    </a:p>
-                    <a:p>
-                      <a:pPr marL="228600" indent="-228600" algn="l" eaLnBrk="1" hangingPunct="1">
-                        <a:buFont typeface="+mj-lt"/>
-                        <a:buAutoNum type="arabicPeriod"/>
-                        <a:defRPr/>
-                      </a:pPr>
-                      <a:endParaRPr lang="en-US" altLang="ko-KR" sz="900" b="1">
-                        <a:solidFill>
-                          <a:srgbClr val="ff0000"/>
-                        </a:solidFill>
-                        <a:latin typeface="돋움"/>
-                        <a:ea typeface="돋움"/>
-                      </a:endParaRPr>
-                    </a:p>
                   </a:txBody>
                   <a:tcPr marL="66203" marR="66203" marT="66677" marB="33634" anchor="ctr">
                     <a:lnL w="12700" cap="flat" cmpd="sng" algn="ctr">
@@ -24649,7 +24649,7 @@
                   </a:tcPr>
                 </a:tc>
               </a:tr>
-              <a:tr h="239293">
+              <a:tr h="192244">
                 <a:tc>
                   <a:txBody>
                     <a:bodyPr vert="horz" lIns="66203" tIns="66677" rIns="66203" bIns="33634" anchor="ctr" anchorCtr="0"/>
@@ -24738,10 +24738,62 @@
                   </a:tcPr>
                 </a:tc>
               </a:tr>
-              <a:tr h="2174264">
+              <a:tr h="1215415">
                 <a:tc>
                   <a:txBody>
                     <a:bodyPr vert="horz" lIns="66203" tIns="66677" rIns="66203" bIns="33634" anchor="t" anchorCtr="0"/>
+                    <a:p>
+                      <a:pPr marL="228600" indent="-228600" algn="l">
+                        <a:buFont typeface="+mj-lt"/>
+                        <a:buAutoNum type="arabicPeriod"/>
+                        <a:defRPr/>
+                      </a:pPr>
+                      <a:r>
+                        <a:rPr lang="ko-KR" altLang="en-US" sz="900" b="1" kern="100">
+                          <a:solidFill>
+                            <a:srgbClr val="0070c0"/>
+                          </a:solidFill>
+                          <a:effectLst/>
+                          <a:latin typeface="맑은 고딕"/>
+                          <a:ea typeface="맑은 고딕"/>
+                        </a:rPr>
+                        <a:t>필수 입력사항을 입력한다</a:t>
+                      </a:r>
+                      <a:r>
+                        <a:rPr lang="en-US" altLang="ko-KR" sz="900" b="1" kern="100">
+                          <a:solidFill>
+                            <a:srgbClr val="0070c0"/>
+                          </a:solidFill>
+                          <a:effectLst/>
+                          <a:latin typeface="맑은 고딕"/>
+                          <a:ea typeface="맑은 고딕"/>
+                        </a:rPr>
+                        <a:t>.</a:t>
+                      </a:r>
+                      <a:endParaRPr lang="en-US" altLang="ko-KR" sz="900" b="1" kern="100">
+                        <a:solidFill>
+                          <a:srgbClr val="0070c0"/>
+                        </a:solidFill>
+                        <a:effectLst/>
+                        <a:latin typeface="맑은 고딕"/>
+                        <a:ea typeface="맑은 고딕"/>
+                      </a:endParaRPr>
+                    </a:p>
+                    <a:p>
+                      <a:pPr marL="228600" indent="-228600" algn="l">
+                        <a:buFont typeface="+mj-lt"/>
+                        <a:buAutoNum type="arabicPeriod"/>
+                        <a:defRPr/>
+                      </a:pPr>
+                      <a:endParaRPr lang="ko-KR" altLang="en-US" sz="900" b="1" kern="100">
+                        <a:solidFill>
+                          <a:srgbClr val="0070c0"/>
+                        </a:solidFill>
+                        <a:effectLst/>
+                        <a:latin typeface="맑은 고딕"/>
+                        <a:ea typeface="맑은 고딕"/>
+                      </a:endParaRPr>
+                    </a:p>
                     <a:p>
                       <a:pPr marL="228600" indent="-228600" algn="l">
                         <a:buFont typeface="+mj-lt"/>
@@ -24894,204 +24946,6 @@
                     <a:solidFill>
                       <a:schemeClr val="bg1"/>
                     </a:solidFill>
-                  </a:tcPr>
-                </a:tc>
-              </a:tr>
-            </a:tbl>
-          </a:graphicData>
-        </a:graphic>
-      </p:graphicFrame>
-      <p:graphicFrame>
-        <p:nvGraphicFramePr>
-          <p:cNvPr id="24" name="표 23"/>
-          <p:cNvGraphicFramePr>
-            <a:graphicFrameLocks noGrp="1"/>
-          </p:cNvGraphicFramePr>
-          <p:nvPr/>
-        </p:nvGraphicFramePr>
-        <p:xfrm>
-          <a:off x="7264715" y="6379889"/>
-          <a:ext cx="2476285" cy="474301"/>
-        </p:xfrm>
-        <a:graphic>
-          <a:graphicData uri="http://schemas.openxmlformats.org/drawingml/2006/table">
-            <a:tbl>
-              <a:tblPr firstRow="1" firstCol="1" bandRow="1"/>
-              <a:tblGrid>
-                <a:gridCol w="2476285"/>
-              </a:tblGrid>
-              <a:tr h="208095">
-                <a:tc>
-                  <a:txBody>
-                    <a:bodyPr vert="horz" lIns="66203" tIns="66677" rIns="66203" bIns="33634" anchor="ctr" anchorCtr="0"/>
-                    <a:p>
-                      <a:pPr algn="ctr">
-                        <a:lnSpc>
-                          <a:spcPct val="100000"/>
-                        </a:lnSpc>
-                        <a:spcBef>
-                          <a:spcPts val="300"/>
-                        </a:spcBef>
-                        <a:spcAft>
-                          <a:spcPts val="300"/>
-                        </a:spcAft>
-                        <a:defRPr/>
-                      </a:pPr>
-                      <a:r>
-                        <a:rPr lang="ko-KR" altLang="en-US" sz="900" b="1" kern="100">
-                          <a:effectLst/>
-                          <a:latin typeface="맑은 고딕"/>
-                          <a:ea typeface="맑은 고딕"/>
-                        </a:rPr>
-                        <a:t>테이블 명</a:t>
-                      </a:r>
-                      <a:endParaRPr lang="en-US" altLang="ko-KR" sz="900" b="1" kern="100">
-                        <a:effectLst/>
-                        <a:latin typeface="맑은 고딕"/>
-                        <a:ea typeface="맑은 고딕"/>
-                      </a:endParaRPr>
-                    </a:p>
-                  </a:txBody>
-                  <a:tcPr marL="66203" marR="66203" marT="66677" marB="33634" anchor="ctr">
-                    <a:lnL w="12700" cap="flat" cmpd="sng" algn="ctr">
-                      <a:solidFill>
-                        <a:schemeClr val="tx1">
-                          <a:lumMod val="50000"/>
-                          <a:lumOff val="50000"/>
-                        </a:schemeClr>
-                      </a:solidFill>
-                      <a:prstDash val="solid"/>
-                      <a:round/>
-                      <a:headEnd w="med" len="med"/>
-                      <a:tailEnd w="med" len="med"/>
-                    </a:lnL>
-                    <a:lnR w="12700" cap="flat" cmpd="sng" algn="ctr">
-                      <a:solidFill>
-                        <a:schemeClr val="tx1">
-                          <a:lumMod val="50000"/>
-                          <a:lumOff val="50000"/>
-                        </a:schemeClr>
-                      </a:solidFill>
-                      <a:prstDash val="solid"/>
-                      <a:round/>
-                      <a:headEnd w="med" len="med"/>
-                      <a:tailEnd w="med" len="med"/>
-                    </a:lnR>
-                    <a:lnT w="12700" cap="flat" cmpd="sng" algn="ctr">
-                      <a:solidFill>
-                        <a:schemeClr val="tx1">
-                          <a:lumMod val="50000"/>
-                          <a:lumOff val="50000"/>
-                        </a:schemeClr>
-                      </a:solidFill>
-                      <a:prstDash val="solid"/>
-                      <a:round/>
-                      <a:headEnd w="med" len="med"/>
-                      <a:tailEnd w="med" len="med"/>
-                    </a:lnT>
-                    <a:lnB w="12700" cap="flat" cmpd="sng" algn="ctr">
-                      <a:solidFill>
-                        <a:schemeClr val="tx1">
-                          <a:lumMod val="50000"/>
-                          <a:lumOff val="50000"/>
-                        </a:schemeClr>
-                      </a:solidFill>
-                      <a:prstDash val="solid"/>
-                      <a:round/>
-                      <a:headEnd w="med" len="med"/>
-                      <a:tailEnd w="med" len="med"/>
-                    </a:lnB>
-                    <a:solidFill>
-                      <a:schemeClr val="bg1">
-                        <a:lumMod val="95000"/>
-                      </a:schemeClr>
-                    </a:solidFill>
-                  </a:tcPr>
-                </a:tc>
-              </a:tr>
-              <a:tr h="240640">
-                <a:tc>
-                  <a:txBody>
-                    <a:bodyPr vert="horz" lIns="66203" tIns="66677" rIns="66203" bIns="33634" anchor="ctr" anchorCtr="0"/>
-                    <a:p>
-                      <a:pPr marL="0" indent="0" algn="ctr">
-                        <a:lnSpc>
-                          <a:spcPct val="100000"/>
-                        </a:lnSpc>
-                        <a:spcBef>
-                          <a:spcPts val="300"/>
-                        </a:spcBef>
-                        <a:spcAft>
-                          <a:spcPts val="300"/>
-                        </a:spcAft>
-                        <a:buFont typeface="Arial"/>
-                        <a:buNone/>
-                        <a:defRPr/>
-                      </a:pPr>
-                      <a:r>
-                        <a:rPr lang="en-US" altLang="ko-KR" sz="900" b="0" kern="100">
-                          <a:effectLst/>
-                          <a:latin typeface="맑은 고딕"/>
-                          <a:ea typeface="맑은 고딕"/>
-                        </a:rPr>
-                        <a:t>-</a:t>
-                      </a:r>
-                      <a:endParaRPr lang="en-US" altLang="ko-KR" sz="900" b="0" kern="100">
-                        <a:latin typeface="맑은 고딕"/>
-                        <a:ea typeface="맑은 고딕"/>
-                      </a:endParaRPr>
-                    </a:p>
-                  </a:txBody>
-                  <a:tcPr marL="66203" marR="66203" marT="66677" marB="33634" anchor="ctr">
-                    <a:lnL w="12700" cap="flat" cmpd="sng" algn="ctr">
-                      <a:solidFill>
-                        <a:schemeClr val="tx1">
-                          <a:lumMod val="50000"/>
-                          <a:lumOff val="50000"/>
-                        </a:schemeClr>
-                      </a:solidFill>
-                      <a:prstDash val="solid"/>
-                      <a:round/>
-                      <a:headEnd w="med" len="med"/>
-                      <a:tailEnd w="med" len="med"/>
-                    </a:lnL>
-                    <a:lnR w="12700" cap="flat" cmpd="sng" algn="ctr">
-                      <a:solidFill>
-                        <a:schemeClr val="tx1">
-                          <a:lumMod val="50000"/>
-                          <a:lumOff val="50000"/>
-                        </a:schemeClr>
-                      </a:solidFill>
-                      <a:prstDash val="solid"/>
-                      <a:round/>
-                      <a:headEnd w="med" len="med"/>
-                      <a:tailEnd w="med" len="med"/>
-                    </a:lnR>
-                    <a:lnT w="12700" cap="flat" cmpd="sng" algn="ctr">
-                      <a:solidFill>
-                        <a:schemeClr val="tx1">
-                          <a:lumMod val="50000"/>
-                          <a:lumOff val="50000"/>
-                        </a:schemeClr>
-                      </a:solidFill>
-                      <a:prstDash val="solid"/>
-                      <a:round/>
-                      <a:headEnd w="med" len="med"/>
-                      <a:tailEnd w="med" len="med"/>
-                    </a:lnT>
-                    <a:lnB w="12700" cap="flat" cmpd="sng" algn="ctr">
-                      <a:solidFill>
-                        <a:schemeClr val="tx1">
-                          <a:lumMod val="50000"/>
-                          <a:lumOff val="50000"/>
-                        </a:schemeClr>
-                      </a:solidFill>
-                      <a:prstDash val="solid"/>
-                      <a:round/>
-                      <a:headEnd w="med" len="med"/>
-                      <a:tailEnd w="med" len="med"/>
-                    </a:lnB>
-                    <a:noFill/>
                   </a:tcPr>
                 </a:tc>
               </a:tr>
@@ -25266,6 +25120,204 @@
           </a:p>
         </p:txBody>
       </p:sp>
+      <p:graphicFrame>
+        <p:nvGraphicFramePr>
+          <p:cNvPr id="56" name="표 23"/>
+          <p:cNvGraphicFramePr>
+            <a:graphicFrameLocks noGrp="1"/>
+          </p:cNvGraphicFramePr>
+          <p:nvPr/>
+        </p:nvGraphicFramePr>
+        <p:xfrm>
+          <a:off x="7257256" y="6237312"/>
+          <a:ext cx="2476285" cy="474300"/>
+        </p:xfrm>
+        <a:graphic>
+          <a:graphicData uri="http://schemas.openxmlformats.org/drawingml/2006/table">
+            <a:tbl>
+              <a:tblPr firstRow="1" firstCol="1" bandRow="1"/>
+              <a:tblGrid>
+                <a:gridCol w="2476285"/>
+              </a:tblGrid>
+              <a:tr h="208095">
+                <a:tc>
+                  <a:txBody>
+                    <a:bodyPr vert="horz" lIns="66203" tIns="66677" rIns="66203" bIns="33634" anchor="ctr" anchorCtr="0"/>
+                    <a:p>
+                      <a:pPr algn="ctr">
+                        <a:lnSpc>
+                          <a:spcPct val="100000"/>
+                        </a:lnSpc>
+                        <a:spcBef>
+                          <a:spcPts val="300"/>
+                        </a:spcBef>
+                        <a:spcAft>
+                          <a:spcPts val="300"/>
+                        </a:spcAft>
+                        <a:defRPr/>
+                      </a:pPr>
+                      <a:r>
+                        <a:rPr lang="ko-KR" altLang="en-US" sz="900" b="1" kern="100">
+                          <a:effectLst/>
+                          <a:latin typeface="맑은 고딕"/>
+                          <a:ea typeface="맑은 고딕"/>
+                        </a:rPr>
+                        <a:t>테이블 명</a:t>
+                      </a:r>
+                      <a:endParaRPr lang="en-US" altLang="ko-KR" sz="900" b="1" kern="100">
+                        <a:effectLst/>
+                        <a:latin typeface="맑은 고딕"/>
+                        <a:ea typeface="맑은 고딕"/>
+                      </a:endParaRPr>
+                    </a:p>
+                  </a:txBody>
+                  <a:tcPr marL="66203" marR="66203" marT="66677" marB="33634" anchor="ctr">
+                    <a:lnL w="12700" cap="flat" cmpd="sng" algn="ctr">
+                      <a:solidFill>
+                        <a:schemeClr val="tx1">
+                          <a:lumMod val="50000"/>
+                          <a:lumOff val="50000"/>
+                        </a:schemeClr>
+                      </a:solidFill>
+                      <a:prstDash val="solid"/>
+                      <a:round/>
+                      <a:headEnd w="med" len="med"/>
+                      <a:tailEnd w="med" len="med"/>
+                    </a:lnL>
+                    <a:lnR w="12700" cap="flat" cmpd="sng" algn="ctr">
+                      <a:solidFill>
+                        <a:schemeClr val="tx1">
+                          <a:lumMod val="50000"/>
+                          <a:lumOff val="50000"/>
+                        </a:schemeClr>
+                      </a:solidFill>
+                      <a:prstDash val="solid"/>
+                      <a:round/>
+                      <a:headEnd w="med" len="med"/>
+                      <a:tailEnd w="med" len="med"/>
+                    </a:lnR>
+                    <a:lnT w="12700" cap="flat" cmpd="sng" algn="ctr">
+                      <a:solidFill>
+                        <a:schemeClr val="tx1">
+                          <a:lumMod val="50000"/>
+                          <a:lumOff val="50000"/>
+                        </a:schemeClr>
+                      </a:solidFill>
+                      <a:prstDash val="solid"/>
+                      <a:round/>
+                      <a:headEnd w="med" len="med"/>
+                      <a:tailEnd w="med" len="med"/>
+                    </a:lnT>
+                    <a:lnB w="12700" cap="flat" cmpd="sng" algn="ctr">
+                      <a:solidFill>
+                        <a:schemeClr val="tx1">
+                          <a:lumMod val="50000"/>
+                          <a:lumOff val="50000"/>
+                        </a:schemeClr>
+                      </a:solidFill>
+                      <a:prstDash val="solid"/>
+                      <a:round/>
+                      <a:headEnd w="med" len="med"/>
+                      <a:tailEnd w="med" len="med"/>
+                    </a:lnB>
+                    <a:solidFill>
+                      <a:schemeClr val="bg1">
+                        <a:lumMod val="95000"/>
+                      </a:schemeClr>
+                    </a:solidFill>
+                  </a:tcPr>
+                </a:tc>
+              </a:tr>
+              <a:tr h="240640">
+                <a:tc>
+                  <a:txBody>
+                    <a:bodyPr vert="horz" lIns="66203" tIns="66677" rIns="66203" bIns="33634" anchor="ctr" anchorCtr="0"/>
+                    <a:p>
+                      <a:pPr marL="0" indent="0" algn="ctr">
+                        <a:lnSpc>
+                          <a:spcPct val="100000"/>
+                        </a:lnSpc>
+                        <a:spcBef>
+                          <a:spcPts val="300"/>
+                        </a:spcBef>
+                        <a:spcAft>
+                          <a:spcPts val="300"/>
+                        </a:spcAft>
+                        <a:buFont typeface="Arial"/>
+                        <a:buNone/>
+                        <a:defRPr/>
+                      </a:pPr>
+                      <a:r>
+                        <a:rPr lang="en-US" altLang="ko-KR" sz="900" b="0" kern="100">
+                          <a:effectLst/>
+                          <a:latin typeface="맑은 고딕"/>
+                          <a:ea typeface="맑은 고딕"/>
+                        </a:rPr>
+                        <a:t>-</a:t>
+                      </a:r>
+                      <a:endParaRPr lang="en-US" altLang="ko-KR" sz="900" b="0" kern="100">
+                        <a:latin typeface="맑은 고딕"/>
+                        <a:ea typeface="맑은 고딕"/>
+                      </a:endParaRPr>
+                    </a:p>
+                  </a:txBody>
+                  <a:tcPr marL="66203" marR="66203" marT="66677" marB="33634" anchor="ctr">
+                    <a:lnL w="12700" cap="flat" cmpd="sng" algn="ctr">
+                      <a:solidFill>
+                        <a:schemeClr val="tx1">
+                          <a:lumMod val="50000"/>
+                          <a:lumOff val="50000"/>
+                        </a:schemeClr>
+                      </a:solidFill>
+                      <a:prstDash val="solid"/>
+                      <a:round/>
+                      <a:headEnd w="med" len="med"/>
+                      <a:tailEnd w="med" len="med"/>
+                    </a:lnL>
+                    <a:lnR w="12700" cap="flat" cmpd="sng" algn="ctr">
+                      <a:solidFill>
+                        <a:schemeClr val="tx1">
+                          <a:lumMod val="50000"/>
+                          <a:lumOff val="50000"/>
+                        </a:schemeClr>
+                      </a:solidFill>
+                      <a:prstDash val="solid"/>
+                      <a:round/>
+                      <a:headEnd w="med" len="med"/>
+                      <a:tailEnd w="med" len="med"/>
+                    </a:lnR>
+                    <a:lnT w="12700" cap="flat" cmpd="sng" algn="ctr">
+                      <a:solidFill>
+                        <a:schemeClr val="tx1">
+                          <a:lumMod val="50000"/>
+                          <a:lumOff val="50000"/>
+                        </a:schemeClr>
+                      </a:solidFill>
+                      <a:prstDash val="solid"/>
+                      <a:round/>
+                      <a:headEnd w="med" len="med"/>
+                      <a:tailEnd w="med" len="med"/>
+                    </a:lnT>
+                    <a:lnB w="12700" cap="flat" cmpd="sng" algn="ctr">
+                      <a:solidFill>
+                        <a:schemeClr val="tx1">
+                          <a:lumMod val="50000"/>
+                          <a:lumOff val="50000"/>
+                        </a:schemeClr>
+                      </a:solidFill>
+                      <a:prstDash val="solid"/>
+                      <a:round/>
+                      <a:headEnd w="med" len="med"/>
+                      <a:tailEnd w="med" len="med"/>
+                    </a:lnB>
+                    <a:noFill/>
+                  </a:tcPr>
+                </a:tc>
+              </a:tr>
+            </a:tbl>
+          </a:graphicData>
+        </a:graphic>
+      </p:graphicFrame>
     </p:spTree>
   </p:cSld>
   <p:clrMapOvr>
